--- a/ゲームプレゼン.pptx
+++ b/ゲームプレゼン.pptx
@@ -177,7 +177,7 @@
           <a:noFill/>
           <a:extLst>
             <a:ext uri="{909E8E84-426E-40dd-AFC4-6F175D3DCCD1}">
-              <a14:hiddenFill xmlns="" xmlns:a14="http://schemas.microsoft.com/office/drawing/2010/main">
+              <a14:hiddenFill xmlns:a14="http://schemas.microsoft.com/office/drawing/2010/main" xmlns="">
                 <a:solidFill>
                   <a:srgbClr val="FFFFFF"/>
                 </a:solidFill>
@@ -237,7 +237,7 @@
             </a:ln>
             <a:extLst>
               <a:ext uri="{91240B29-F687-4f45-9708-019B960494DF}">
-                <a14:hiddenLine xmlns="" xmlns:a14="http://schemas.microsoft.com/office/drawing/2010/main" w="9525">
+                <a14:hiddenLine xmlns:a14="http://schemas.microsoft.com/office/drawing/2010/main" xmlns="" w="9525">
                   <a:solidFill>
                     <a:srgbClr val="000000"/>
                   </a:solidFill>
@@ -327,7 +327,7 @@
             </a:ln>
             <a:extLst>
               <a:ext uri="{91240B29-F687-4f45-9708-019B960494DF}">
-                <a14:hiddenLine xmlns="" xmlns:a14="http://schemas.microsoft.com/office/drawing/2010/main" w="9525">
+                <a14:hiddenLine xmlns:a14="http://schemas.microsoft.com/office/drawing/2010/main" xmlns="" w="9525">
                   <a:solidFill>
                     <a:srgbClr val="000000"/>
                   </a:solidFill>
@@ -417,7 +417,7 @@
             </a:ln>
             <a:extLst>
               <a:ext uri="{91240B29-F687-4f45-9708-019B960494DF}">
-                <a14:hiddenLine xmlns="" xmlns:a14="http://schemas.microsoft.com/office/drawing/2010/main" w="9525">
+                <a14:hiddenLine xmlns:a14="http://schemas.microsoft.com/office/drawing/2010/main" xmlns="" w="9525">
                   <a:solidFill>
                     <a:srgbClr val="000000"/>
                   </a:solidFill>
@@ -451,7 +451,7 @@
             </a:ln>
             <a:extLst>
               <a:ext uri="{91240B29-F687-4f45-9708-019B960494DF}">
-                <a14:hiddenLine xmlns="" xmlns:a14="http://schemas.microsoft.com/office/drawing/2010/main" w="9525">
+                <a14:hiddenLine xmlns:a14="http://schemas.microsoft.com/office/drawing/2010/main" xmlns="" w="9525">
                   <a:solidFill>
                     <a:srgbClr val="000000"/>
                   </a:solidFill>
@@ -541,7 +541,7 @@
             </a:ln>
             <a:extLst>
               <a:ext uri="{91240B29-F687-4f45-9708-019B960494DF}">
-                <a14:hiddenLine xmlns="" xmlns:a14="http://schemas.microsoft.com/office/drawing/2010/main" w="9525">
+                <a14:hiddenLine xmlns:a14="http://schemas.microsoft.com/office/drawing/2010/main" xmlns="" w="9525">
                   <a:solidFill>
                     <a:srgbClr val="000000"/>
                   </a:solidFill>
@@ -603,7 +603,7 @@
             </a:ln>
             <a:extLst>
               <a:ext uri="{91240B29-F687-4f45-9708-019B960494DF}">
-                <a14:hiddenLine xmlns="" xmlns:a14="http://schemas.microsoft.com/office/drawing/2010/main" w="9525">
+                <a14:hiddenLine xmlns:a14="http://schemas.microsoft.com/office/drawing/2010/main" xmlns="" w="9525">
                   <a:solidFill>
                     <a:srgbClr val="000000"/>
                   </a:solidFill>
@@ -665,7 +665,7 @@
             </a:ln>
             <a:extLst>
               <a:ext uri="{91240B29-F687-4f45-9708-019B960494DF}">
-                <a14:hiddenLine xmlns="" xmlns:a14="http://schemas.microsoft.com/office/drawing/2010/main" w="9525">
+                <a14:hiddenLine xmlns:a14="http://schemas.microsoft.com/office/drawing/2010/main" xmlns="" w="9525">
                   <a:solidFill>
                     <a:srgbClr val="000000"/>
                   </a:solidFill>
@@ -755,7 +755,7 @@
             </a:ln>
             <a:extLst>
               <a:ext uri="{91240B29-F687-4f45-9708-019B960494DF}">
-                <a14:hiddenLine xmlns="" xmlns:a14="http://schemas.microsoft.com/office/drawing/2010/main" w="9525">
+                <a14:hiddenLine xmlns:a14="http://schemas.microsoft.com/office/drawing/2010/main" xmlns="" w="9525">
                   <a:solidFill>
                     <a:srgbClr val="000000"/>
                   </a:solidFill>
@@ -817,7 +817,7 @@
             </a:ln>
             <a:extLst>
               <a:ext uri="{91240B29-F687-4f45-9708-019B960494DF}">
-                <a14:hiddenLine xmlns="" xmlns:a14="http://schemas.microsoft.com/office/drawing/2010/main" w="9525">
+                <a14:hiddenLine xmlns:a14="http://schemas.microsoft.com/office/drawing/2010/main" xmlns="" w="9525">
                   <a:solidFill>
                     <a:srgbClr val="000000"/>
                   </a:solidFill>
@@ -879,7 +879,7 @@
             </a:ln>
             <a:extLst>
               <a:ext uri="{91240B29-F687-4f45-9708-019B960494DF}">
-                <a14:hiddenLine xmlns="" xmlns:a14="http://schemas.microsoft.com/office/drawing/2010/main" w="9525">
+                <a14:hiddenLine xmlns:a14="http://schemas.microsoft.com/office/drawing/2010/main" xmlns="" w="9525">
                   <a:solidFill>
                     <a:srgbClr val="000000"/>
                   </a:solidFill>
@@ -969,7 +969,7 @@
             </a:ln>
             <a:extLst>
               <a:ext uri="{91240B29-F687-4f45-9708-019B960494DF}">
-                <a14:hiddenLine xmlns="" xmlns:a14="http://schemas.microsoft.com/office/drawing/2010/main" w="9525">
+                <a14:hiddenLine xmlns:a14="http://schemas.microsoft.com/office/drawing/2010/main" xmlns="" w="9525">
                   <a:solidFill>
                     <a:srgbClr val="000000"/>
                   </a:solidFill>
@@ -1059,7 +1059,7 @@
             </a:ln>
             <a:extLst>
               <a:ext uri="{91240B29-F687-4f45-9708-019B960494DF}">
-                <a14:hiddenLine xmlns="" xmlns:a14="http://schemas.microsoft.com/office/drawing/2010/main" w="9525">
+                <a14:hiddenLine xmlns:a14="http://schemas.microsoft.com/office/drawing/2010/main" xmlns="" w="9525">
                   <a:solidFill>
                     <a:srgbClr val="000000"/>
                   </a:solidFill>
@@ -1121,7 +1121,7 @@
             </a:ln>
             <a:extLst>
               <a:ext uri="{91240B29-F687-4f45-9708-019B960494DF}">
-                <a14:hiddenLine xmlns="" xmlns:a14="http://schemas.microsoft.com/office/drawing/2010/main" w="9525">
+                <a14:hiddenLine xmlns:a14="http://schemas.microsoft.com/office/drawing/2010/main" xmlns="" w="9525">
                   <a:solidFill>
                     <a:srgbClr val="000000"/>
                   </a:solidFill>
@@ -1231,7 +1231,7 @@
             </a:ln>
             <a:extLst>
               <a:ext uri="{91240B29-F687-4f45-9708-019B960494DF}">
-                <a14:hiddenLine xmlns="" xmlns:a14="http://schemas.microsoft.com/office/drawing/2010/main" w="9525">
+                <a14:hiddenLine xmlns:a14="http://schemas.microsoft.com/office/drawing/2010/main" xmlns="" w="9525">
                   <a:solidFill>
                     <a:srgbClr val="000000"/>
                   </a:solidFill>
@@ -1293,7 +1293,7 @@
             </a:ln>
             <a:extLst>
               <a:ext uri="{91240B29-F687-4f45-9708-019B960494DF}">
-                <a14:hiddenLine xmlns="" xmlns:a14="http://schemas.microsoft.com/office/drawing/2010/main" w="9525">
+                <a14:hiddenLine xmlns:a14="http://schemas.microsoft.com/office/drawing/2010/main" xmlns="" w="9525">
                   <a:solidFill>
                     <a:srgbClr val="000000"/>
                   </a:solidFill>
@@ -1383,7 +1383,7 @@
             </a:ln>
             <a:extLst>
               <a:ext uri="{91240B29-F687-4f45-9708-019B960494DF}">
-                <a14:hiddenLine xmlns="" xmlns:a14="http://schemas.microsoft.com/office/drawing/2010/main" w="9525">
+                <a14:hiddenLine xmlns:a14="http://schemas.microsoft.com/office/drawing/2010/main" xmlns="" w="9525">
                   <a:solidFill>
                     <a:srgbClr val="000000"/>
                   </a:solidFill>
@@ -1473,7 +1473,7 @@
             </a:ln>
             <a:extLst>
               <a:ext uri="{91240B29-F687-4f45-9708-019B960494DF}">
-                <a14:hiddenLine xmlns="" xmlns:a14="http://schemas.microsoft.com/office/drawing/2010/main" w="9525">
+                <a14:hiddenLine xmlns:a14="http://schemas.microsoft.com/office/drawing/2010/main" xmlns="" w="9525">
                   <a:solidFill>
                     <a:srgbClr val="000000"/>
                   </a:solidFill>
@@ -1535,7 +1535,7 @@
             </a:ln>
             <a:extLst>
               <a:ext uri="{91240B29-F687-4f45-9708-019B960494DF}">
-                <a14:hiddenLine xmlns="" xmlns:a14="http://schemas.microsoft.com/office/drawing/2010/main" w="9525">
+                <a14:hiddenLine xmlns:a14="http://schemas.microsoft.com/office/drawing/2010/main" xmlns="" w="9525">
                   <a:solidFill>
                     <a:srgbClr val="000000"/>
                   </a:solidFill>
@@ -1625,7 +1625,7 @@
             </a:ln>
             <a:extLst>
               <a:ext uri="{91240B29-F687-4f45-9708-019B960494DF}">
-                <a14:hiddenLine xmlns="" xmlns:a14="http://schemas.microsoft.com/office/drawing/2010/main" w="9525">
+                <a14:hiddenLine xmlns:a14="http://schemas.microsoft.com/office/drawing/2010/main" xmlns="" w="9525">
                   <a:solidFill>
                     <a:srgbClr val="000000"/>
                   </a:solidFill>
@@ -1715,7 +1715,7 @@
             </a:ln>
             <a:extLst>
               <a:ext uri="{91240B29-F687-4f45-9708-019B960494DF}">
-                <a14:hiddenLine xmlns="" xmlns:a14="http://schemas.microsoft.com/office/drawing/2010/main" w="9525">
+                <a14:hiddenLine xmlns:a14="http://schemas.microsoft.com/office/drawing/2010/main" xmlns="" w="9525">
                   <a:solidFill>
                     <a:srgbClr val="000000"/>
                   </a:solidFill>
@@ -1771,7 +1771,7 @@
             </a:ln>
             <a:extLst>
               <a:ext uri="{91240B29-F687-4f45-9708-019B960494DF}">
-                <a14:hiddenLine xmlns="" xmlns:a14="http://schemas.microsoft.com/office/drawing/2010/main" w="9525">
+                <a14:hiddenLine xmlns:a14="http://schemas.microsoft.com/office/drawing/2010/main" xmlns="" w="9525">
                   <a:solidFill>
                     <a:srgbClr val="000000"/>
                   </a:solidFill>
@@ -1861,7 +1861,7 @@
             </a:ln>
             <a:extLst>
               <a:ext uri="{91240B29-F687-4f45-9708-019B960494DF}">
-                <a14:hiddenLine xmlns="" xmlns:a14="http://schemas.microsoft.com/office/drawing/2010/main" w="9525">
+                <a14:hiddenLine xmlns:a14="http://schemas.microsoft.com/office/drawing/2010/main" xmlns="" w="9525">
                   <a:solidFill>
                     <a:srgbClr val="000000"/>
                   </a:solidFill>
@@ -1917,7 +1917,7 @@
             </a:ln>
             <a:extLst>
               <a:ext uri="{91240B29-F687-4f45-9708-019B960494DF}">
-                <a14:hiddenLine xmlns="" xmlns:a14="http://schemas.microsoft.com/office/drawing/2010/main" w="9525">
+                <a14:hiddenLine xmlns:a14="http://schemas.microsoft.com/office/drawing/2010/main" xmlns="" w="9525">
                   <a:solidFill>
                     <a:srgbClr val="000000"/>
                   </a:solidFill>
@@ -2007,7 +2007,7 @@
             </a:ln>
             <a:extLst>
               <a:ext uri="{91240B29-F687-4f45-9708-019B960494DF}">
-                <a14:hiddenLine xmlns="" xmlns:a14="http://schemas.microsoft.com/office/drawing/2010/main" w="9525">
+                <a14:hiddenLine xmlns:a14="http://schemas.microsoft.com/office/drawing/2010/main" xmlns="" w="9525">
                   <a:solidFill>
                     <a:srgbClr val="000000"/>
                   </a:solidFill>
@@ -2075,7 +2075,7 @@
             </a:ln>
             <a:extLst>
               <a:ext uri="{91240B29-F687-4f45-9708-019B960494DF}">
-                <a14:hiddenLine xmlns="" xmlns:a14="http://schemas.microsoft.com/office/drawing/2010/main" w="9525">
+                <a14:hiddenLine xmlns:a14="http://schemas.microsoft.com/office/drawing/2010/main" xmlns="" w="9525">
                   <a:solidFill>
                     <a:srgbClr val="000000"/>
                   </a:solidFill>
@@ -2165,7 +2165,7 @@
             </a:ln>
             <a:extLst>
               <a:ext uri="{91240B29-F687-4f45-9708-019B960494DF}">
-                <a14:hiddenLine xmlns="" xmlns:a14="http://schemas.microsoft.com/office/drawing/2010/main" w="9525">
+                <a14:hiddenLine xmlns:a14="http://schemas.microsoft.com/office/drawing/2010/main" xmlns="" w="9525">
                   <a:solidFill>
                     <a:srgbClr val="000000"/>
                   </a:solidFill>
@@ -2233,7 +2233,7 @@
             </a:ln>
             <a:extLst>
               <a:ext uri="{91240B29-F687-4f45-9708-019B960494DF}">
-                <a14:hiddenLine xmlns="" xmlns:a14="http://schemas.microsoft.com/office/drawing/2010/main" w="9525">
+                <a14:hiddenLine xmlns:a14="http://schemas.microsoft.com/office/drawing/2010/main" xmlns="" w="9525">
                   <a:solidFill>
                     <a:srgbClr val="000000"/>
                   </a:solidFill>
@@ -2323,7 +2323,7 @@
             </a:ln>
             <a:extLst>
               <a:ext uri="{91240B29-F687-4f45-9708-019B960494DF}">
-                <a14:hiddenLine xmlns="" xmlns:a14="http://schemas.microsoft.com/office/drawing/2010/main" w="9525">
+                <a14:hiddenLine xmlns:a14="http://schemas.microsoft.com/office/drawing/2010/main" xmlns="" w="9525">
                   <a:solidFill>
                     <a:srgbClr val="000000"/>
                   </a:solidFill>
@@ -2357,7 +2357,7 @@
             </a:ln>
             <a:extLst>
               <a:ext uri="{91240B29-F687-4f45-9708-019B960494DF}">
-                <a14:hiddenLine xmlns="" xmlns:a14="http://schemas.microsoft.com/office/drawing/2010/main" w="9525">
+                <a14:hiddenLine xmlns:a14="http://schemas.microsoft.com/office/drawing/2010/main" xmlns="" w="9525">
                   <a:solidFill>
                     <a:srgbClr val="000000"/>
                   </a:solidFill>
@@ -2447,7 +2447,7 @@
             </a:ln>
             <a:extLst>
               <a:ext uri="{91240B29-F687-4f45-9708-019B960494DF}">
-                <a14:hiddenLine xmlns="" xmlns:a14="http://schemas.microsoft.com/office/drawing/2010/main" w="9525">
+                <a14:hiddenLine xmlns:a14="http://schemas.microsoft.com/office/drawing/2010/main" xmlns="" w="9525">
                   <a:solidFill>
                     <a:srgbClr val="000000"/>
                   </a:solidFill>
@@ -2509,7 +2509,7 @@
             </a:ln>
             <a:extLst>
               <a:ext uri="{91240B29-F687-4f45-9708-019B960494DF}">
-                <a14:hiddenLine xmlns="" xmlns:a14="http://schemas.microsoft.com/office/drawing/2010/main" w="9525">
+                <a14:hiddenLine xmlns:a14="http://schemas.microsoft.com/office/drawing/2010/main" xmlns="" w="9525">
                   <a:solidFill>
                     <a:srgbClr val="000000"/>
                   </a:solidFill>
@@ -2571,7 +2571,7 @@
             </a:ln>
             <a:extLst>
               <a:ext uri="{91240B29-F687-4f45-9708-019B960494DF}">
-                <a14:hiddenLine xmlns="" xmlns:a14="http://schemas.microsoft.com/office/drawing/2010/main" w="9525">
+                <a14:hiddenLine xmlns:a14="http://schemas.microsoft.com/office/drawing/2010/main" xmlns="" w="9525">
                   <a:solidFill>
                     <a:srgbClr val="000000"/>
                   </a:solidFill>
@@ -2661,7 +2661,7 @@
             </a:ln>
             <a:extLst>
               <a:ext uri="{91240B29-F687-4f45-9708-019B960494DF}">
-                <a14:hiddenLine xmlns="" xmlns:a14="http://schemas.microsoft.com/office/drawing/2010/main" w="9525">
+                <a14:hiddenLine xmlns:a14="http://schemas.microsoft.com/office/drawing/2010/main" xmlns="" w="9525">
                   <a:solidFill>
                     <a:srgbClr val="000000"/>
                   </a:solidFill>
@@ -2729,7 +2729,7 @@
             </a:ln>
             <a:extLst>
               <a:ext uri="{91240B29-F687-4f45-9708-019B960494DF}">
-                <a14:hiddenLine xmlns="" xmlns:a14="http://schemas.microsoft.com/office/drawing/2010/main" w="9525">
+                <a14:hiddenLine xmlns:a14="http://schemas.microsoft.com/office/drawing/2010/main" xmlns="" w="9525">
                   <a:solidFill>
                     <a:srgbClr val="000000"/>
                   </a:solidFill>
@@ -2791,7 +2791,7 @@
             </a:ln>
             <a:extLst>
               <a:ext uri="{91240B29-F687-4f45-9708-019B960494DF}">
-                <a14:hiddenLine xmlns="" xmlns:a14="http://schemas.microsoft.com/office/drawing/2010/main" w="9525">
+                <a14:hiddenLine xmlns:a14="http://schemas.microsoft.com/office/drawing/2010/main" xmlns="" w="9525">
                   <a:solidFill>
                     <a:srgbClr val="000000"/>
                   </a:solidFill>
@@ -2881,7 +2881,7 @@
             </a:ln>
             <a:extLst>
               <a:ext uri="{91240B29-F687-4f45-9708-019B960494DF}">
-                <a14:hiddenLine xmlns="" xmlns:a14="http://schemas.microsoft.com/office/drawing/2010/main" w="9525">
+                <a14:hiddenLine xmlns:a14="http://schemas.microsoft.com/office/drawing/2010/main" xmlns="" w="9525">
                   <a:solidFill>
                     <a:srgbClr val="000000"/>
                   </a:solidFill>
@@ -2943,7 +2943,7 @@
             </a:ln>
             <a:extLst>
               <a:ext uri="{91240B29-F687-4f45-9708-019B960494DF}">
-                <a14:hiddenLine xmlns="" xmlns:a14="http://schemas.microsoft.com/office/drawing/2010/main" w="9525">
+                <a14:hiddenLine xmlns:a14="http://schemas.microsoft.com/office/drawing/2010/main" xmlns="" w="9525">
                   <a:solidFill>
                     <a:srgbClr val="000000"/>
                   </a:solidFill>
@@ -3033,7 +3033,7 @@
             </a:ln>
             <a:extLst>
               <a:ext uri="{91240B29-F687-4f45-9708-019B960494DF}">
-                <a14:hiddenLine xmlns="" xmlns:a14="http://schemas.microsoft.com/office/drawing/2010/main" w="9525">
+                <a14:hiddenLine xmlns:a14="http://schemas.microsoft.com/office/drawing/2010/main" xmlns="" w="9525">
                   <a:solidFill>
                     <a:srgbClr val="000000"/>
                   </a:solidFill>
@@ -3095,7 +3095,7 @@
             </a:ln>
             <a:extLst>
               <a:ext uri="{91240B29-F687-4f45-9708-019B960494DF}">
-                <a14:hiddenLine xmlns="" xmlns:a14="http://schemas.microsoft.com/office/drawing/2010/main" w="9525">
+                <a14:hiddenLine xmlns:a14="http://schemas.microsoft.com/office/drawing/2010/main" xmlns="" w="9525">
                   <a:solidFill>
                     <a:srgbClr val="000000"/>
                   </a:solidFill>
@@ -3185,7 +3185,7 @@
             </a:ln>
             <a:extLst>
               <a:ext uri="{91240B29-F687-4f45-9708-019B960494DF}">
-                <a14:hiddenLine xmlns="" xmlns:a14="http://schemas.microsoft.com/office/drawing/2010/main" w="9525">
+                <a14:hiddenLine xmlns:a14="http://schemas.microsoft.com/office/drawing/2010/main" xmlns="" w="9525">
                   <a:solidFill>
                     <a:srgbClr val="000000"/>
                   </a:solidFill>
@@ -3219,7 +3219,7 @@
             </a:ln>
             <a:extLst>
               <a:ext uri="{91240B29-F687-4f45-9708-019B960494DF}">
-                <a14:hiddenLine xmlns="" xmlns:a14="http://schemas.microsoft.com/office/drawing/2010/main" w="9525">
+                <a14:hiddenLine xmlns:a14="http://schemas.microsoft.com/office/drawing/2010/main" xmlns="" w="9525">
                   <a:solidFill>
                     <a:srgbClr val="000000"/>
                   </a:solidFill>
@@ -3284,7 +3284,7 @@
             </a:ln>
             <a:extLst>
               <a:ext uri="{91240B29-F687-4f45-9708-019B960494DF}">
-                <a14:hiddenLine xmlns="" xmlns:a14="http://schemas.microsoft.com/office/drawing/2010/main" w="9525">
+                <a14:hiddenLine xmlns:a14="http://schemas.microsoft.com/office/drawing/2010/main" xmlns="" w="9525">
                   <a:solidFill>
                     <a:srgbClr val="000000"/>
                   </a:solidFill>
@@ -3374,7 +3374,7 @@
             </a:ln>
             <a:extLst>
               <a:ext uri="{91240B29-F687-4f45-9708-019B960494DF}">
-                <a14:hiddenLine xmlns="" xmlns:a14="http://schemas.microsoft.com/office/drawing/2010/main" w="9525">
+                <a14:hiddenLine xmlns:a14="http://schemas.microsoft.com/office/drawing/2010/main" xmlns="" w="9525">
                   <a:solidFill>
                     <a:srgbClr val="000000"/>
                   </a:solidFill>
@@ -3436,7 +3436,7 @@
             </a:ln>
             <a:extLst>
               <a:ext uri="{91240B29-F687-4f45-9708-019B960494DF}">
-                <a14:hiddenLine xmlns="" xmlns:a14="http://schemas.microsoft.com/office/drawing/2010/main" w="9525">
+                <a14:hiddenLine xmlns:a14="http://schemas.microsoft.com/office/drawing/2010/main" xmlns="" w="9525">
                   <a:solidFill>
                     <a:srgbClr val="000000"/>
                   </a:solidFill>
@@ -3526,7 +3526,7 @@
             </a:ln>
             <a:extLst>
               <a:ext uri="{91240B29-F687-4f45-9708-019B960494DF}">
-                <a14:hiddenLine xmlns="" xmlns:a14="http://schemas.microsoft.com/office/drawing/2010/main" w="9525">
+                <a14:hiddenLine xmlns:a14="http://schemas.microsoft.com/office/drawing/2010/main" xmlns="" w="9525">
                   <a:solidFill>
                     <a:srgbClr val="000000"/>
                   </a:solidFill>
@@ -3616,7 +3616,7 @@
             </a:ln>
             <a:extLst>
               <a:ext uri="{91240B29-F687-4f45-9708-019B960494DF}">
-                <a14:hiddenLine xmlns="" xmlns:a14="http://schemas.microsoft.com/office/drawing/2010/main" w="9525">
+                <a14:hiddenLine xmlns:a14="http://schemas.microsoft.com/office/drawing/2010/main" xmlns="" w="9525">
                   <a:solidFill>
                     <a:srgbClr val="000000"/>
                   </a:solidFill>
@@ -3681,7 +3681,7 @@
             </a:ln>
             <a:extLst>
               <a:ext uri="{91240B29-F687-4f45-9708-019B960494DF}">
-                <a14:hiddenLine xmlns="" xmlns:a14="http://schemas.microsoft.com/office/drawing/2010/main" w="9525">
+                <a14:hiddenLine xmlns:a14="http://schemas.microsoft.com/office/drawing/2010/main" xmlns="" w="9525">
                   <a:solidFill>
                     <a:srgbClr val="000000"/>
                   </a:solidFill>
@@ -3743,7 +3743,7 @@
             </a:ln>
             <a:extLst>
               <a:ext uri="{91240B29-F687-4f45-9708-019B960494DF}">
-                <a14:hiddenLine xmlns="" xmlns:a14="http://schemas.microsoft.com/office/drawing/2010/main" w="9525">
+                <a14:hiddenLine xmlns:a14="http://schemas.microsoft.com/office/drawing/2010/main" xmlns="" w="9525">
                   <a:solidFill>
                     <a:srgbClr val="000000"/>
                   </a:solidFill>
@@ -3833,7 +3833,7 @@
             </a:ln>
             <a:extLst>
               <a:ext uri="{91240B29-F687-4f45-9708-019B960494DF}">
-                <a14:hiddenLine xmlns="" xmlns:a14="http://schemas.microsoft.com/office/drawing/2010/main" w="9525">
+                <a14:hiddenLine xmlns:a14="http://schemas.microsoft.com/office/drawing/2010/main" xmlns="" w="9525">
                   <a:solidFill>
                     <a:srgbClr val="000000"/>
                   </a:solidFill>
@@ -3923,7 +3923,7 @@
             </a:ln>
             <a:extLst>
               <a:ext uri="{91240B29-F687-4f45-9708-019B960494DF}">
-                <a14:hiddenLine xmlns="" xmlns:a14="http://schemas.microsoft.com/office/drawing/2010/main" w="9525">
+                <a14:hiddenLine xmlns:a14="http://schemas.microsoft.com/office/drawing/2010/main" xmlns="" w="9525">
                   <a:solidFill>
                     <a:srgbClr val="000000"/>
                   </a:solidFill>
@@ -3985,7 +3985,7 @@
             </a:ln>
             <a:extLst>
               <a:ext uri="{91240B29-F687-4f45-9708-019B960494DF}">
-                <a14:hiddenLine xmlns="" xmlns:a14="http://schemas.microsoft.com/office/drawing/2010/main" w="9525">
+                <a14:hiddenLine xmlns:a14="http://schemas.microsoft.com/office/drawing/2010/main" xmlns="" w="9525">
                   <a:solidFill>
                     <a:srgbClr val="000000"/>
                   </a:solidFill>
@@ -4105,7 +4105,7 @@
             </a:ln>
             <a:extLst>
               <a:ext uri="{91240B29-F687-4f45-9708-019B960494DF}">
-                <a14:hiddenLine xmlns="" xmlns:a14="http://schemas.microsoft.com/office/drawing/2010/main" w="9525">
+                <a14:hiddenLine xmlns:a14="http://schemas.microsoft.com/office/drawing/2010/main" xmlns="" w="9525">
                   <a:solidFill>
                     <a:srgbClr val="000000"/>
                   </a:solidFill>
@@ -4173,7 +4173,7 @@
             </a:ln>
             <a:extLst>
               <a:ext uri="{91240B29-F687-4f45-9708-019B960494DF}">
-                <a14:hiddenLine xmlns="" xmlns:a14="http://schemas.microsoft.com/office/drawing/2010/main" w="9525">
+                <a14:hiddenLine xmlns:a14="http://schemas.microsoft.com/office/drawing/2010/main" xmlns="" w="9525">
                   <a:solidFill>
                     <a:srgbClr val="000000"/>
                   </a:solidFill>
@@ -4263,7 +4263,7 @@
             </a:ln>
             <a:extLst>
               <a:ext uri="{91240B29-F687-4f45-9708-019B960494DF}">
-                <a14:hiddenLine xmlns="" xmlns:a14="http://schemas.microsoft.com/office/drawing/2010/main" w="9525">
+                <a14:hiddenLine xmlns:a14="http://schemas.microsoft.com/office/drawing/2010/main" xmlns="" w="9525">
                   <a:solidFill>
                     <a:srgbClr val="000000"/>
                   </a:solidFill>
@@ -4403,7 +4403,7 @@
           <a:p>
             <a:fld id="{013C94D7-09BB-4509-B890-12D8FEB3C174}" type="datetimeFigureOut">
               <a:rPr kumimoji="1" lang="ja-JP" altLang="en-US" smtClean="0"/>
-              <a:t>2022/11/28</a:t>
+              <a:t>2022/12/7</a:t>
             </a:fld>
             <a:endParaRPr kumimoji="1" lang="ja-JP" altLang="en-US"/>
           </a:p>
@@ -4670,7 +4670,7 @@
           <a:p>
             <a:fld id="{013C94D7-09BB-4509-B890-12D8FEB3C174}" type="datetimeFigureOut">
               <a:rPr kumimoji="1" lang="ja-JP" altLang="en-US" smtClean="0"/>
-              <a:t>2022/11/28</a:t>
+              <a:t>2022/12/7</a:t>
             </a:fld>
             <a:endParaRPr kumimoji="1" lang="ja-JP" altLang="en-US"/>
           </a:p>
@@ -4866,7 +4866,7 @@
           <a:p>
             <a:fld id="{013C94D7-09BB-4509-B890-12D8FEB3C174}" type="datetimeFigureOut">
               <a:rPr kumimoji="1" lang="ja-JP" altLang="en-US" smtClean="0"/>
-              <a:t>2022/11/28</a:t>
+              <a:t>2022/12/7</a:t>
             </a:fld>
             <a:endParaRPr kumimoji="1" lang="ja-JP" altLang="en-US"/>
           </a:p>
@@ -5129,7 +5129,7 @@
           <a:p>
             <a:fld id="{013C94D7-09BB-4509-B890-12D8FEB3C174}" type="datetimeFigureOut">
               <a:rPr kumimoji="1" lang="ja-JP" altLang="en-US" smtClean="0"/>
-              <a:t>2022/11/28</a:t>
+              <a:t>2022/12/7</a:t>
             </a:fld>
             <a:endParaRPr kumimoji="1" lang="ja-JP" altLang="en-US"/>
           </a:p>
@@ -5563,7 +5563,7 @@
           <a:p>
             <a:fld id="{013C94D7-09BB-4509-B890-12D8FEB3C174}" type="datetimeFigureOut">
               <a:rPr kumimoji="1" lang="ja-JP" altLang="en-US" smtClean="0"/>
-              <a:t>2022/11/28</a:t>
+              <a:t>2022/12/7</a:t>
             </a:fld>
             <a:endParaRPr kumimoji="1" lang="ja-JP" altLang="en-US"/>
           </a:p>
@@ -6109,7 +6109,7 @@
           <a:p>
             <a:fld id="{013C94D7-09BB-4509-B890-12D8FEB3C174}" type="datetimeFigureOut">
               <a:rPr kumimoji="1" lang="ja-JP" altLang="en-US" smtClean="0"/>
-              <a:t>2022/11/28</a:t>
+              <a:t>2022/12/7</a:t>
             </a:fld>
             <a:endParaRPr kumimoji="1" lang="ja-JP" altLang="en-US"/>
           </a:p>
@@ -6829,7 +6829,7 @@
           <a:p>
             <a:fld id="{013C94D7-09BB-4509-B890-12D8FEB3C174}" type="datetimeFigureOut">
               <a:rPr kumimoji="1" lang="ja-JP" altLang="en-US" smtClean="0"/>
-              <a:t>2022/11/28</a:t>
+              <a:t>2022/12/7</a:t>
             </a:fld>
             <a:endParaRPr kumimoji="1" lang="ja-JP" altLang="en-US"/>
           </a:p>
@@ -7031,7 +7031,7 @@
           <a:p>
             <a:fld id="{013C94D7-09BB-4509-B890-12D8FEB3C174}" type="datetimeFigureOut">
               <a:rPr kumimoji="1" lang="ja-JP" altLang="en-US" smtClean="0"/>
-              <a:t>2022/11/28</a:t>
+              <a:t>2022/12/7</a:t>
             </a:fld>
             <a:endParaRPr kumimoji="1" lang="ja-JP" altLang="en-US"/>
           </a:p>
@@ -7243,7 +7243,7 @@
           <a:p>
             <a:fld id="{013C94D7-09BB-4509-B890-12D8FEB3C174}" type="datetimeFigureOut">
               <a:rPr kumimoji="1" lang="ja-JP" altLang="en-US" smtClean="0"/>
-              <a:t>2022/11/28</a:t>
+              <a:t>2022/12/7</a:t>
             </a:fld>
             <a:endParaRPr kumimoji="1" lang="ja-JP" altLang="en-US"/>
           </a:p>
@@ -7445,7 +7445,7 @@
           <a:p>
             <a:fld id="{013C94D7-09BB-4509-B890-12D8FEB3C174}" type="datetimeFigureOut">
               <a:rPr kumimoji="1" lang="ja-JP" altLang="en-US" smtClean="0"/>
-              <a:t>2022/11/28</a:t>
+              <a:t>2022/12/7</a:t>
             </a:fld>
             <a:endParaRPr kumimoji="1" lang="ja-JP" altLang="en-US"/>
           </a:p>
@@ -7695,7 +7695,7 @@
           <a:p>
             <a:fld id="{013C94D7-09BB-4509-B890-12D8FEB3C174}" type="datetimeFigureOut">
               <a:rPr kumimoji="1" lang="ja-JP" altLang="en-US" smtClean="0"/>
-              <a:t>2022/11/28</a:t>
+              <a:t>2022/12/7</a:t>
             </a:fld>
             <a:endParaRPr kumimoji="1" lang="ja-JP" altLang="en-US"/>
           </a:p>
@@ -7991,7 +7991,7 @@
           <a:p>
             <a:fld id="{013C94D7-09BB-4509-B890-12D8FEB3C174}" type="datetimeFigureOut">
               <a:rPr kumimoji="1" lang="ja-JP" altLang="en-US" smtClean="0"/>
-              <a:t>2022/11/28</a:t>
+              <a:t>2022/12/7</a:t>
             </a:fld>
             <a:endParaRPr kumimoji="1" lang="ja-JP" altLang="en-US"/>
           </a:p>
@@ -8436,7 +8436,7 @@
           <a:p>
             <a:fld id="{013C94D7-09BB-4509-B890-12D8FEB3C174}" type="datetimeFigureOut">
               <a:rPr kumimoji="1" lang="ja-JP" altLang="en-US" smtClean="0"/>
-              <a:t>2022/11/28</a:t>
+              <a:t>2022/12/7</a:t>
             </a:fld>
             <a:endParaRPr kumimoji="1" lang="ja-JP" altLang="en-US"/>
           </a:p>
@@ -8554,7 +8554,7 @@
           <a:p>
             <a:fld id="{013C94D7-09BB-4509-B890-12D8FEB3C174}" type="datetimeFigureOut">
               <a:rPr kumimoji="1" lang="ja-JP" altLang="en-US" smtClean="0"/>
-              <a:t>2022/11/28</a:t>
+              <a:t>2022/12/7</a:t>
             </a:fld>
             <a:endParaRPr kumimoji="1" lang="ja-JP" altLang="en-US"/>
           </a:p>
@@ -8649,7 +8649,7 @@
           <a:p>
             <a:fld id="{013C94D7-09BB-4509-B890-12D8FEB3C174}" type="datetimeFigureOut">
               <a:rPr kumimoji="1" lang="ja-JP" altLang="en-US" smtClean="0"/>
-              <a:t>2022/11/28</a:t>
+              <a:t>2022/12/7</a:t>
             </a:fld>
             <a:endParaRPr kumimoji="1" lang="ja-JP" altLang="en-US"/>
           </a:p>
@@ -8930,7 +8930,7 @@
           <a:p>
             <a:fld id="{013C94D7-09BB-4509-B890-12D8FEB3C174}" type="datetimeFigureOut">
               <a:rPr kumimoji="1" lang="ja-JP" altLang="en-US" smtClean="0"/>
-              <a:t>2022/11/28</a:t>
+              <a:t>2022/12/7</a:t>
             </a:fld>
             <a:endParaRPr kumimoji="1" lang="ja-JP" altLang="en-US"/>
           </a:p>
@@ -9210,7 +9210,7 @@
           <a:p>
             <a:fld id="{013C94D7-09BB-4509-B890-12D8FEB3C174}" type="datetimeFigureOut">
               <a:rPr kumimoji="1" lang="ja-JP" altLang="en-US" smtClean="0"/>
-              <a:t>2022/11/28</a:t>
+              <a:t>2022/12/7</a:t>
             </a:fld>
             <a:endParaRPr kumimoji="1" lang="ja-JP" altLang="en-US"/>
           </a:p>
@@ -9326,7 +9326,7 @@
           <a:noFill/>
           <a:extLst>
             <a:ext uri="{909E8E84-426E-40dd-AFC4-6F175D3DCCD1}">
-              <a14:hiddenFill xmlns="" xmlns:a14="http://schemas.microsoft.com/office/drawing/2010/main">
+              <a14:hiddenFill xmlns:a14="http://schemas.microsoft.com/office/drawing/2010/main" xmlns="">
                 <a:solidFill>
                   <a:srgbClr val="FFFFFF"/>
                 </a:solidFill>
@@ -9400,7 +9400,7 @@
               </a:ln>
               <a:extLst>
                 <a:ext uri="{91240B29-F687-4f45-9708-019B960494DF}">
-                  <a14:hiddenLine xmlns="" xmlns:a14="http://schemas.microsoft.com/office/drawing/2010/main" w="9525">
+                  <a14:hiddenLine xmlns:a14="http://schemas.microsoft.com/office/drawing/2010/main" xmlns="" w="9525">
                     <a:solidFill>
                       <a:srgbClr val="000000"/>
                     </a:solidFill>
@@ -9490,7 +9490,7 @@
               </a:ln>
               <a:extLst>
                 <a:ext uri="{91240B29-F687-4f45-9708-019B960494DF}">
-                  <a14:hiddenLine xmlns="" xmlns:a14="http://schemas.microsoft.com/office/drawing/2010/main" w="9525">
+                  <a14:hiddenLine xmlns:a14="http://schemas.microsoft.com/office/drawing/2010/main" xmlns="" w="9525">
                     <a:solidFill>
                       <a:srgbClr val="000000"/>
                     </a:solidFill>
@@ -9580,7 +9580,7 @@
               </a:ln>
               <a:extLst>
                 <a:ext uri="{91240B29-F687-4f45-9708-019B960494DF}">
-                  <a14:hiddenLine xmlns="" xmlns:a14="http://schemas.microsoft.com/office/drawing/2010/main" w="9525">
+                  <a14:hiddenLine xmlns:a14="http://schemas.microsoft.com/office/drawing/2010/main" xmlns="" w="9525">
                     <a:solidFill>
                       <a:srgbClr val="000000"/>
                     </a:solidFill>
@@ -9642,7 +9642,7 @@
               </a:ln>
               <a:extLst>
                 <a:ext uri="{91240B29-F687-4f45-9708-019B960494DF}">
-                  <a14:hiddenLine xmlns="" xmlns:a14="http://schemas.microsoft.com/office/drawing/2010/main" w="9525">
+                  <a14:hiddenLine xmlns:a14="http://schemas.microsoft.com/office/drawing/2010/main" xmlns="" w="9525">
                     <a:solidFill>
                       <a:srgbClr val="000000"/>
                     </a:solidFill>
@@ -9732,7 +9732,7 @@
               </a:ln>
               <a:extLst>
                 <a:ext uri="{91240B29-F687-4f45-9708-019B960494DF}">
-                  <a14:hiddenLine xmlns="" xmlns:a14="http://schemas.microsoft.com/office/drawing/2010/main" w="9525">
+                  <a14:hiddenLine xmlns:a14="http://schemas.microsoft.com/office/drawing/2010/main" xmlns="" w="9525">
                     <a:solidFill>
                       <a:srgbClr val="000000"/>
                     </a:solidFill>
@@ -9794,7 +9794,7 @@
               </a:ln>
               <a:extLst>
                 <a:ext uri="{91240B29-F687-4f45-9708-019B960494DF}">
-                  <a14:hiddenLine xmlns="" xmlns:a14="http://schemas.microsoft.com/office/drawing/2010/main" w="9525">
+                  <a14:hiddenLine xmlns:a14="http://schemas.microsoft.com/office/drawing/2010/main" xmlns="" w="9525">
                     <a:solidFill>
                       <a:srgbClr val="000000"/>
                     </a:solidFill>
@@ -9856,7 +9856,7 @@
               </a:ln>
               <a:extLst>
                 <a:ext uri="{91240B29-F687-4f45-9708-019B960494DF}">
-                  <a14:hiddenLine xmlns="" xmlns:a14="http://schemas.microsoft.com/office/drawing/2010/main" w="9525">
+                  <a14:hiddenLine xmlns:a14="http://schemas.microsoft.com/office/drawing/2010/main" xmlns="" w="9525">
                     <a:solidFill>
                       <a:srgbClr val="000000"/>
                     </a:solidFill>
@@ -9946,7 +9946,7 @@
               </a:ln>
               <a:extLst>
                 <a:ext uri="{91240B29-F687-4f45-9708-019B960494DF}">
-                  <a14:hiddenLine xmlns="" xmlns:a14="http://schemas.microsoft.com/office/drawing/2010/main" w="9525">
+                  <a14:hiddenLine xmlns:a14="http://schemas.microsoft.com/office/drawing/2010/main" xmlns="" w="9525">
                     <a:solidFill>
                       <a:srgbClr val="000000"/>
                     </a:solidFill>
@@ -10036,7 +10036,7 @@
               </a:ln>
               <a:extLst>
                 <a:ext uri="{91240B29-F687-4f45-9708-019B960494DF}">
-                  <a14:hiddenLine xmlns="" xmlns:a14="http://schemas.microsoft.com/office/drawing/2010/main" w="9525">
+                  <a14:hiddenLine xmlns:a14="http://schemas.microsoft.com/office/drawing/2010/main" xmlns="" w="9525">
                     <a:solidFill>
                       <a:srgbClr val="000000"/>
                     </a:solidFill>
@@ -10098,7 +10098,7 @@
               </a:ln>
               <a:extLst>
                 <a:ext uri="{91240B29-F687-4f45-9708-019B960494DF}">
-                  <a14:hiddenLine xmlns="" xmlns:a14="http://schemas.microsoft.com/office/drawing/2010/main" w="9525">
+                  <a14:hiddenLine xmlns:a14="http://schemas.microsoft.com/office/drawing/2010/main" xmlns="" w="9525">
                     <a:solidFill>
                       <a:srgbClr val="000000"/>
                     </a:solidFill>
@@ -10208,7 +10208,7 @@
               </a:ln>
               <a:extLst>
                 <a:ext uri="{91240B29-F687-4f45-9708-019B960494DF}">
-                  <a14:hiddenLine xmlns="" xmlns:a14="http://schemas.microsoft.com/office/drawing/2010/main" w="9525">
+                  <a14:hiddenLine xmlns:a14="http://schemas.microsoft.com/office/drawing/2010/main" xmlns="" w="9525">
                     <a:solidFill>
                       <a:srgbClr val="000000"/>
                     </a:solidFill>
@@ -10292,7 +10292,7 @@
               </a:ln>
               <a:extLst>
                 <a:ext uri="{91240B29-F687-4f45-9708-019B960494DF}">
-                  <a14:hiddenLine xmlns="" xmlns:a14="http://schemas.microsoft.com/office/drawing/2010/main" w="9525">
+                  <a14:hiddenLine xmlns:a14="http://schemas.microsoft.com/office/drawing/2010/main" xmlns="" w="9525">
                     <a:solidFill>
                       <a:srgbClr val="000000"/>
                     </a:solidFill>
@@ -10354,7 +10354,7 @@
               </a:ln>
               <a:extLst>
                 <a:ext uri="{91240B29-F687-4f45-9708-019B960494DF}">
-                  <a14:hiddenLine xmlns="" xmlns:a14="http://schemas.microsoft.com/office/drawing/2010/main" w="9525">
+                  <a14:hiddenLine xmlns:a14="http://schemas.microsoft.com/office/drawing/2010/main" xmlns="" w="9525">
                     <a:solidFill>
                       <a:srgbClr val="000000"/>
                     </a:solidFill>
@@ -10416,7 +10416,7 @@
               </a:ln>
               <a:extLst>
                 <a:ext uri="{91240B29-F687-4f45-9708-019B960494DF}">
-                  <a14:hiddenLine xmlns="" xmlns:a14="http://schemas.microsoft.com/office/drawing/2010/main" w="9525">
+                  <a14:hiddenLine xmlns:a14="http://schemas.microsoft.com/office/drawing/2010/main" xmlns="" w="9525">
                     <a:solidFill>
                       <a:srgbClr val="000000"/>
                     </a:solidFill>
@@ -10506,7 +10506,7 @@
               </a:ln>
               <a:extLst>
                 <a:ext uri="{91240B29-F687-4f45-9708-019B960494DF}">
-                  <a14:hiddenLine xmlns="" xmlns:a14="http://schemas.microsoft.com/office/drawing/2010/main" w="9525">
+                  <a14:hiddenLine xmlns:a14="http://schemas.microsoft.com/office/drawing/2010/main" xmlns="" w="9525">
                     <a:solidFill>
                       <a:srgbClr val="000000"/>
                     </a:solidFill>
@@ -10540,7 +10540,7 @@
               </a:ln>
               <a:extLst>
                 <a:ext uri="{91240B29-F687-4f45-9708-019B960494DF}">
-                  <a14:hiddenLine xmlns="" xmlns:a14="http://schemas.microsoft.com/office/drawing/2010/main" w="9525">
+                  <a14:hiddenLine xmlns:a14="http://schemas.microsoft.com/office/drawing/2010/main" xmlns="" w="9525">
                     <a:solidFill>
                       <a:srgbClr val="000000"/>
                     </a:solidFill>
@@ -10605,7 +10605,7 @@
               </a:ln>
               <a:extLst>
                 <a:ext uri="{91240B29-F687-4f45-9708-019B960494DF}">
-                  <a14:hiddenLine xmlns="" xmlns:a14="http://schemas.microsoft.com/office/drawing/2010/main" w="9525">
+                  <a14:hiddenLine xmlns:a14="http://schemas.microsoft.com/office/drawing/2010/main" xmlns="" w="9525">
                     <a:solidFill>
                       <a:srgbClr val="000000"/>
                     </a:solidFill>
@@ -10695,7 +10695,7 @@
               </a:ln>
               <a:extLst>
                 <a:ext uri="{91240B29-F687-4f45-9708-019B960494DF}">
-                  <a14:hiddenLine xmlns="" xmlns:a14="http://schemas.microsoft.com/office/drawing/2010/main" w="9525">
+                  <a14:hiddenLine xmlns:a14="http://schemas.microsoft.com/office/drawing/2010/main" xmlns="" w="9525">
                     <a:solidFill>
                       <a:srgbClr val="000000"/>
                     </a:solidFill>
@@ -10757,7 +10757,7 @@
               </a:ln>
               <a:extLst>
                 <a:ext uri="{91240B29-F687-4f45-9708-019B960494DF}">
-                  <a14:hiddenLine xmlns="" xmlns:a14="http://schemas.microsoft.com/office/drawing/2010/main" w="9525">
+                  <a14:hiddenLine xmlns:a14="http://schemas.microsoft.com/office/drawing/2010/main" xmlns="" w="9525">
                     <a:solidFill>
                       <a:srgbClr val="000000"/>
                     </a:solidFill>
@@ -10847,7 +10847,7 @@
               </a:ln>
               <a:extLst>
                 <a:ext uri="{91240B29-F687-4f45-9708-019B960494DF}">
-                  <a14:hiddenLine xmlns="" xmlns:a14="http://schemas.microsoft.com/office/drawing/2010/main" w="9525">
+                  <a14:hiddenLine xmlns:a14="http://schemas.microsoft.com/office/drawing/2010/main" xmlns="" w="9525">
                     <a:solidFill>
                       <a:srgbClr val="000000"/>
                     </a:solidFill>
@@ -10912,7 +10912,7 @@
               </a:ln>
               <a:extLst>
                 <a:ext uri="{91240B29-F687-4f45-9708-019B960494DF}">
-                  <a14:hiddenLine xmlns="" xmlns:a14="http://schemas.microsoft.com/office/drawing/2010/main" w="9525">
+                  <a14:hiddenLine xmlns:a14="http://schemas.microsoft.com/office/drawing/2010/main" xmlns="" w="9525">
                     <a:solidFill>
                       <a:srgbClr val="000000"/>
                     </a:solidFill>
@@ -10974,7 +10974,7 @@
               </a:ln>
               <a:extLst>
                 <a:ext uri="{91240B29-F687-4f45-9708-019B960494DF}">
-                  <a14:hiddenLine xmlns="" xmlns:a14="http://schemas.microsoft.com/office/drawing/2010/main" w="9525">
+                  <a14:hiddenLine xmlns:a14="http://schemas.microsoft.com/office/drawing/2010/main" xmlns="" w="9525">
                     <a:solidFill>
                       <a:srgbClr val="000000"/>
                     </a:solidFill>
@@ -11064,7 +11064,7 @@
               </a:ln>
               <a:extLst>
                 <a:ext uri="{91240B29-F687-4f45-9708-019B960494DF}">
-                  <a14:hiddenLine xmlns="" xmlns:a14="http://schemas.microsoft.com/office/drawing/2010/main" w="9525">
+                  <a14:hiddenLine xmlns:a14="http://schemas.microsoft.com/office/drawing/2010/main" xmlns="" w="9525">
                     <a:solidFill>
                       <a:srgbClr val="000000"/>
                     </a:solidFill>
@@ -11154,7 +11154,7 @@
               </a:ln>
               <a:extLst>
                 <a:ext uri="{91240B29-F687-4f45-9708-019B960494DF}">
-                  <a14:hiddenLine xmlns="" xmlns:a14="http://schemas.microsoft.com/office/drawing/2010/main" w="9525">
+                  <a14:hiddenLine xmlns:a14="http://schemas.microsoft.com/office/drawing/2010/main" xmlns="" w="9525">
                     <a:solidFill>
                       <a:srgbClr val="000000"/>
                     </a:solidFill>
@@ -11219,7 +11219,7 @@
               </a:ln>
               <a:extLst>
                 <a:ext uri="{91240B29-F687-4f45-9708-019B960494DF}">
-                  <a14:hiddenLine xmlns="" xmlns:a14="http://schemas.microsoft.com/office/drawing/2010/main" w="9525">
+                  <a14:hiddenLine xmlns:a14="http://schemas.microsoft.com/office/drawing/2010/main" xmlns="" w="9525">
                     <a:solidFill>
                       <a:srgbClr val="000000"/>
                     </a:solidFill>
@@ -11339,7 +11339,7 @@
               </a:ln>
               <a:extLst>
                 <a:ext uri="{91240B29-F687-4f45-9708-019B960494DF}">
-                  <a14:hiddenLine xmlns="" xmlns:a14="http://schemas.microsoft.com/office/drawing/2010/main" w="9525">
+                  <a14:hiddenLine xmlns:a14="http://schemas.microsoft.com/office/drawing/2010/main" xmlns="" w="9525">
                     <a:solidFill>
                       <a:srgbClr val="000000"/>
                     </a:solidFill>
@@ -11437,7 +11437,7 @@
               </a:ln>
               <a:extLst>
                 <a:ext uri="{91240B29-F687-4f45-9708-019B960494DF}">
-                  <a14:hiddenLine xmlns="" xmlns:a14="http://schemas.microsoft.com/office/drawing/2010/main" w="9525">
+                  <a14:hiddenLine xmlns:a14="http://schemas.microsoft.com/office/drawing/2010/main" xmlns="" w="9525">
                     <a:solidFill>
                       <a:srgbClr val="000000"/>
                     </a:solidFill>
@@ -11552,7 +11552,7 @@
               </a:ln>
               <a:extLst>
                 <a:ext uri="{91240B29-F687-4f45-9708-019B960494DF}">
-                  <a14:hiddenLine xmlns="" xmlns:a14="http://schemas.microsoft.com/office/drawing/2010/main" w="9525">
+                  <a14:hiddenLine xmlns:a14="http://schemas.microsoft.com/office/drawing/2010/main" xmlns="" w="9525">
                     <a:solidFill>
                       <a:srgbClr val="000000"/>
                     </a:solidFill>
@@ -11642,7 +11642,7 @@
               </a:ln>
               <a:extLst>
                 <a:ext uri="{91240B29-F687-4f45-9708-019B960494DF}">
-                  <a14:hiddenLine xmlns="" xmlns:a14="http://schemas.microsoft.com/office/drawing/2010/main" w="9525">
+                  <a14:hiddenLine xmlns:a14="http://schemas.microsoft.com/office/drawing/2010/main" xmlns="" w="9525">
                     <a:solidFill>
                       <a:srgbClr val="000000"/>
                     </a:solidFill>
@@ -11707,7 +11707,7 @@
               </a:ln>
               <a:extLst>
                 <a:ext uri="{91240B29-F687-4f45-9708-019B960494DF}">
-                  <a14:hiddenLine xmlns="" xmlns:a14="http://schemas.microsoft.com/office/drawing/2010/main" w="9525">
+                  <a14:hiddenLine xmlns:a14="http://schemas.microsoft.com/office/drawing/2010/main" xmlns="" w="9525">
                     <a:solidFill>
                       <a:srgbClr val="000000"/>
                     </a:solidFill>
@@ -11797,7 +11797,7 @@
               </a:ln>
               <a:extLst>
                 <a:ext uri="{91240B29-F687-4f45-9708-019B960494DF}">
-                  <a14:hiddenLine xmlns="" xmlns:a14="http://schemas.microsoft.com/office/drawing/2010/main" w="9525">
+                  <a14:hiddenLine xmlns:a14="http://schemas.microsoft.com/office/drawing/2010/main" xmlns="" w="9525">
                     <a:solidFill>
                       <a:srgbClr val="000000"/>
                     </a:solidFill>
@@ -11865,7 +11865,7 @@
               </a:ln>
               <a:extLst>
                 <a:ext uri="{91240B29-F687-4f45-9708-019B960494DF}">
-                  <a14:hiddenLine xmlns="" xmlns:a14="http://schemas.microsoft.com/office/drawing/2010/main" w="9525">
+                  <a14:hiddenLine xmlns:a14="http://schemas.microsoft.com/office/drawing/2010/main" xmlns="" w="9525">
                     <a:solidFill>
                       <a:srgbClr val="000000"/>
                     </a:solidFill>
@@ -11955,7 +11955,7 @@
               </a:ln>
               <a:extLst>
                 <a:ext uri="{91240B29-F687-4f45-9708-019B960494DF}">
-                  <a14:hiddenLine xmlns="" xmlns:a14="http://schemas.microsoft.com/office/drawing/2010/main" w="9525">
+                  <a14:hiddenLine xmlns:a14="http://schemas.microsoft.com/office/drawing/2010/main" xmlns="" w="9525">
                     <a:solidFill>
                       <a:srgbClr val="000000"/>
                     </a:solidFill>
@@ -12023,7 +12023,7 @@
               </a:ln>
               <a:extLst>
                 <a:ext uri="{91240B29-F687-4f45-9708-019B960494DF}">
-                  <a14:hiddenLine xmlns="" xmlns:a14="http://schemas.microsoft.com/office/drawing/2010/main" w="9525">
+                  <a14:hiddenLine xmlns:a14="http://schemas.microsoft.com/office/drawing/2010/main" xmlns="" w="9525">
                     <a:solidFill>
                       <a:srgbClr val="000000"/>
                     </a:solidFill>
@@ -12113,7 +12113,7 @@
               </a:ln>
               <a:extLst>
                 <a:ext uri="{91240B29-F687-4f45-9708-019B960494DF}">
-                  <a14:hiddenLine xmlns="" xmlns:a14="http://schemas.microsoft.com/office/drawing/2010/main" w="9525">
+                  <a14:hiddenLine xmlns:a14="http://schemas.microsoft.com/office/drawing/2010/main" xmlns="" w="9525">
                     <a:solidFill>
                       <a:srgbClr val="000000"/>
                     </a:solidFill>
@@ -12147,7 +12147,7 @@
               </a:ln>
               <a:extLst>
                 <a:ext uri="{91240B29-F687-4f45-9708-019B960494DF}">
-                  <a14:hiddenLine xmlns="" xmlns:a14="http://schemas.microsoft.com/office/drawing/2010/main" w="9525">
+                  <a14:hiddenLine xmlns:a14="http://schemas.microsoft.com/office/drawing/2010/main" xmlns="" w="9525">
                     <a:solidFill>
                       <a:srgbClr val="000000"/>
                     </a:solidFill>
@@ -12319,7 +12319,7 @@
           <a:p>
             <a:fld id="{013C94D7-09BB-4509-B890-12D8FEB3C174}" type="datetimeFigureOut">
               <a:rPr kumimoji="1" lang="ja-JP" altLang="en-US" smtClean="0"/>
-              <a:t>2022/11/28</a:t>
+              <a:t>2022/12/7</a:t>
             </a:fld>
             <a:endParaRPr kumimoji="1" lang="ja-JP" altLang="en-US"/>
           </a:p>
@@ -12829,15 +12829,7 @@
                   <a:schemeClr val="bg1"/>
                 </a:solidFill>
               </a:rPr>
-              <a:t>ゲーム</a:t>
-            </a:r>
-            <a:r>
-              <a:rPr kumimoji="1" lang="ja-JP" altLang="en-US" sz="3200" dirty="0" smtClean="0">
-                <a:solidFill>
-                  <a:schemeClr val="bg1"/>
-                </a:solidFill>
-              </a:rPr>
-              <a:t>内容</a:t>
+              <a:t>ゲーム内容</a:t>
             </a:r>
           </a:p>
           <a:p>
@@ -12870,15 +12862,7 @@
                   <a:schemeClr val="bg1"/>
                 </a:solidFill>
               </a:rPr>
-              <a:t>操作</a:t>
-            </a:r>
-            <a:r>
-              <a:rPr lang="ja-JP" altLang="en-US" sz="2400" dirty="0" smtClean="0">
-                <a:solidFill>
-                  <a:schemeClr val="bg1"/>
-                </a:solidFill>
-              </a:rPr>
-              <a:t>方法等</a:t>
+              <a:t>操作方法等</a:t>
             </a:r>
             <a:endParaRPr lang="en-US" altLang="ja-JP" sz="2400" dirty="0">
               <a:solidFill>
@@ -13100,8 +13084,8 @@
         </p:nvSpPr>
         <p:spPr>
           <a:xfrm>
-            <a:off x="5796202" y="-68900"/>
-            <a:ext cx="98571" cy="4247317"/>
+            <a:off x="4748637" y="481515"/>
+            <a:ext cx="3605250" cy="923330"/>
           </a:xfrm>
           <a:prstGeom prst="rect">
             <a:avLst/>
@@ -13123,44 +13107,6 @@
               <a:t>コンセプト</a:t>
             </a:r>
             <a:endParaRPr kumimoji="1" lang="ja-JP" altLang="en-US" sz="5400" i="1" dirty="0">
-              <a:solidFill>
-                <a:schemeClr val="bg1"/>
-              </a:solidFill>
-            </a:endParaRPr>
-          </a:p>
-        </p:txBody>
-      </p:sp>
-      <p:sp>
-        <p:nvSpPr>
-          <p:cNvPr id="11" name="テキスト ボックス 10"/>
-          <p:cNvSpPr txBox="1"/>
-          <p:nvPr/>
-        </p:nvSpPr>
-        <p:spPr>
-          <a:xfrm>
-            <a:off x="2174162" y="1298314"/>
-            <a:ext cx="8230467" cy="523220"/>
-          </a:xfrm>
-          <a:prstGeom prst="rect">
-            <a:avLst/>
-          </a:prstGeom>
-          <a:noFill/>
-        </p:spPr>
-        <p:txBody>
-          <a:bodyPr wrap="square" rtlCol="0">
-            <a:spAutoFit/>
-          </a:bodyPr>
-          <a:lstStyle/>
-          <a:p>
-            <a:r>
-              <a:rPr lang="ja-JP" altLang="en-US" sz="2800" dirty="0">
-                <a:solidFill>
-                  <a:schemeClr val="bg1"/>
-                </a:solidFill>
-              </a:rPr>
-              <a:t>ない</a:t>
-            </a:r>
-            <a:endParaRPr lang="en-US" altLang="ja-JP" sz="2800" dirty="0" smtClean="0">
               <a:solidFill>
                 <a:schemeClr val="bg1"/>
               </a:solidFill>
@@ -13401,7 +13347,39 @@
                   <a:schemeClr val="bg1"/>
                 </a:solidFill>
               </a:rPr>
-              <a:t>サブ、必殺技もある</a:t>
+              <a:t>サブ、必殺</a:t>
+            </a:r>
+            <a:r>
+              <a:rPr lang="ja-JP" altLang="en-US" sz="2400" dirty="0" smtClean="0">
+                <a:solidFill>
+                  <a:schemeClr val="bg1"/>
+                </a:solidFill>
+              </a:rPr>
+              <a:t>技</a:t>
+            </a:r>
+            <a:r>
+              <a:rPr lang="ja-JP" altLang="en-US" sz="2400" dirty="0" smtClean="0">
+                <a:solidFill>
+                  <a:schemeClr val="bg1"/>
+                </a:solidFill>
+              </a:rPr>
+              <a:t>の</a:t>
+            </a:r>
+            <a:r>
+              <a:rPr lang="en-US" altLang="ja-JP" sz="2400" dirty="0" smtClean="0">
+                <a:solidFill>
+                  <a:schemeClr val="bg1"/>
+                </a:solidFill>
+              </a:rPr>
+              <a:t>3</a:t>
+            </a:r>
+            <a:r>
+              <a:rPr lang="ja-JP" altLang="en-US" sz="2400" dirty="0" smtClean="0">
+                <a:solidFill>
+                  <a:schemeClr val="bg1"/>
+                </a:solidFill>
+              </a:rPr>
+              <a:t>種類</a:t>
             </a:r>
             <a:endParaRPr lang="en-US" altLang="ja-JP" sz="2400" dirty="0">
               <a:solidFill>
